--- a/5º periodo/Introdução ao TCC/Apresentação de moda- Final.pptx
+++ b/5º periodo/Introdução ao TCC/Apresentação de moda- Final.pptx
@@ -315,7 +315,7 @@
           <a:p>
             <a:fld id="{4AAD347D-5ACD-4C99-B74B-A9C85AD731AF}" type="datetimeFigureOut">
               <a:rPr lang="en-US" smtClean="0"/>
-              <a:t>4/19/2016</a:t>
+              <a:t>4/20/2016</a:t>
             </a:fld>
             <a:endParaRPr lang="en-US" dirty="0"/>
           </a:p>
@@ -590,7 +590,7 @@
           <a:p>
             <a:fld id="{4509A250-FF31-4206-8172-F9D3106AACB1}" type="datetimeFigureOut">
               <a:rPr lang="en-US" smtClean="0"/>
-              <a:t>4/19/2016</a:t>
+              <a:t>4/20/2016</a:t>
             </a:fld>
             <a:endParaRPr lang="en-US" dirty="0"/>
           </a:p>
@@ -784,7 +784,7 @@
           <a:p>
             <a:fld id="{4509A250-FF31-4206-8172-F9D3106AACB1}" type="datetimeFigureOut">
               <a:rPr lang="en-US" smtClean="0"/>
-              <a:t>4/19/2016</a:t>
+              <a:t>4/20/2016</a:t>
             </a:fld>
             <a:endParaRPr lang="en-US" dirty="0"/>
           </a:p>
@@ -1055,7 +1055,7 @@
           <a:p>
             <a:fld id="{4509A250-FF31-4206-8172-F9D3106AACB1}" type="datetimeFigureOut">
               <a:rPr lang="en-US" smtClean="0"/>
-              <a:t>4/19/2016</a:t>
+              <a:t>4/20/2016</a:t>
             </a:fld>
             <a:endParaRPr lang="en-US" dirty="0"/>
           </a:p>
@@ -1382,7 +1382,7 @@
           <a:p>
             <a:fld id="{4509A250-FF31-4206-8172-F9D3106AACB1}" type="datetimeFigureOut">
               <a:rPr lang="en-US" smtClean="0"/>
-              <a:t>4/19/2016</a:t>
+              <a:t>4/20/2016</a:t>
             </a:fld>
             <a:endParaRPr lang="en-US" dirty="0"/>
           </a:p>
@@ -2001,7 +2001,7 @@
           <a:p>
             <a:fld id="{4509A250-FF31-4206-8172-F9D3106AACB1}" type="datetimeFigureOut">
               <a:rPr lang="en-US" smtClean="0"/>
-              <a:t>4/19/2016</a:t>
+              <a:t>4/20/2016</a:t>
             </a:fld>
             <a:endParaRPr lang="en-US" dirty="0"/>
           </a:p>
@@ -2848,7 +2848,7 @@
           <a:p>
             <a:fld id="{4509A250-FF31-4206-8172-F9D3106AACB1}" type="datetimeFigureOut">
               <a:rPr lang="en-US" smtClean="0"/>
-              <a:t>4/19/2016</a:t>
+              <a:t>4/20/2016</a:t>
             </a:fld>
             <a:endParaRPr lang="en-US" dirty="0"/>
           </a:p>
@@ -3018,7 +3018,7 @@
           <a:p>
             <a:fld id="{4509A250-FF31-4206-8172-F9D3106AACB1}" type="datetimeFigureOut">
               <a:rPr lang="en-US" smtClean="0"/>
-              <a:t>4/19/2016</a:t>
+              <a:t>4/20/2016</a:t>
             </a:fld>
             <a:endParaRPr lang="en-US" dirty="0"/>
           </a:p>
@@ -3198,7 +3198,7 @@
           <a:p>
             <a:fld id="{4509A250-FF31-4206-8172-F9D3106AACB1}" type="datetimeFigureOut">
               <a:rPr lang="en-US" smtClean="0"/>
-              <a:t>4/19/2016</a:t>
+              <a:t>4/20/2016</a:t>
             </a:fld>
             <a:endParaRPr lang="en-US" dirty="0"/>
           </a:p>
@@ -3368,7 +3368,7 @@
           <a:p>
             <a:fld id="{4509A250-FF31-4206-8172-F9D3106AACB1}" type="datetimeFigureOut">
               <a:rPr lang="en-US" smtClean="0"/>
-              <a:t>4/19/2016</a:t>
+              <a:t>4/20/2016</a:t>
             </a:fld>
             <a:endParaRPr lang="en-US" dirty="0"/>
           </a:p>
@@ -3615,7 +3615,7 @@
           <a:p>
             <a:fld id="{9796027F-7875-4030-9381-8BD8C4F21935}" type="datetimeFigureOut">
               <a:rPr lang="en-US" smtClean="0"/>
-              <a:t>4/19/2016</a:t>
+              <a:t>4/20/2016</a:t>
             </a:fld>
             <a:endParaRPr lang="en-US" dirty="0"/>
           </a:p>
@@ -3907,7 +3907,7 @@
           <a:p>
             <a:fld id="{9796027F-7875-4030-9381-8BD8C4F21935}" type="datetimeFigureOut">
               <a:rPr lang="en-US" smtClean="0"/>
-              <a:t>4/19/2016</a:t>
+              <a:t>4/20/2016</a:t>
             </a:fld>
             <a:endParaRPr lang="en-US" dirty="0"/>
           </a:p>
@@ -4351,7 +4351,7 @@
           <a:p>
             <a:fld id="{9796027F-7875-4030-9381-8BD8C4F21935}" type="datetimeFigureOut">
               <a:rPr lang="en-US" smtClean="0"/>
-              <a:t>4/19/2016</a:t>
+              <a:t>4/20/2016</a:t>
             </a:fld>
             <a:endParaRPr lang="en-US" dirty="0"/>
           </a:p>
@@ -4469,7 +4469,7 @@
           <a:p>
             <a:fld id="{4509A250-FF31-4206-8172-F9D3106AACB1}" type="datetimeFigureOut">
               <a:rPr lang="en-US" smtClean="0"/>
-              <a:t>4/19/2016</a:t>
+              <a:t>4/20/2016</a:t>
             </a:fld>
             <a:endParaRPr lang="en-US" dirty="0"/>
           </a:p>
@@ -4564,7 +4564,7 @@
           <a:p>
             <a:fld id="{4509A250-FF31-4206-8172-F9D3106AACB1}" type="datetimeFigureOut">
               <a:rPr lang="en-US" smtClean="0"/>
-              <a:t>4/19/2016</a:t>
+              <a:t>4/20/2016</a:t>
             </a:fld>
             <a:endParaRPr lang="en-US" dirty="0"/>
           </a:p>
@@ -4843,7 +4843,7 @@
           <a:p>
             <a:fld id="{4509A250-FF31-4206-8172-F9D3106AACB1}" type="datetimeFigureOut">
               <a:rPr lang="en-US" smtClean="0"/>
-              <a:t>4/19/2016</a:t>
+              <a:t>4/20/2016</a:t>
             </a:fld>
             <a:endParaRPr lang="en-US" dirty="0"/>
           </a:p>
@@ -5118,7 +5118,7 @@
           <a:p>
             <a:fld id="{4509A250-FF31-4206-8172-F9D3106AACB1}" type="datetimeFigureOut">
               <a:rPr lang="en-US" smtClean="0"/>
-              <a:t>4/19/2016</a:t>
+              <a:t>4/20/2016</a:t>
             </a:fld>
             <a:endParaRPr lang="en-US" dirty="0"/>
           </a:p>
@@ -5541,7 +5541,7 @@
           <a:p>
             <a:fld id="{4AAD347D-5ACD-4C99-B74B-A9C85AD731AF}" type="datetimeFigureOut">
               <a:rPr lang="en-US" smtClean="0"/>
-              <a:t>4/19/2016</a:t>
+              <a:t>4/20/2016</a:t>
             </a:fld>
             <a:endParaRPr lang="en-US" dirty="0"/>
           </a:p>
@@ -6092,7 +6092,7 @@
           <a:graphicData uri="http://schemas.openxmlformats.org/presentationml/2006/ole">
             <mc:AlternateContent xmlns:mc="http://schemas.openxmlformats.org/markup-compatibility/2006">
               <mc:Choice xmlns:v="urn:schemas-microsoft-com:vml" Requires="v">
-                <p:oleObj spid="_x0000_s1033" name="CorelDRAW" r:id="rId3" imgW="12380319" imgH="7036045" progId="CorelDraw.Graphic.17">
+                <p:oleObj spid="_x0000_s1037" name="CorelDRAW" r:id="rId3" imgW="12380319" imgH="7036045" progId="CorelDraw.Graphic.17">
                   <p:embed/>
                 </p:oleObj>
               </mc:Choice>
@@ -6424,7 +6424,7 @@
                 </a:effectLst>
                 <a:latin typeface="Afta sans" panose="02000503000000020004" pitchFamily="50" charset="0"/>
               </a:rPr>
-              <a:t>Informação sobre moda para deficiêntes auditivos</a:t>
+              <a:t>Informação sobre moda para deficientes auditivos</a:t>
             </a:r>
           </a:p>
         </p:txBody>
